--- a/07-image-to-imagetranslationwithconditionaladversarialnetworks-161125155412-converted.pptx
+++ b/07-image-to-imagetranslationwithconditionaladversarialnetworks-161125155412-converted.pptx
@@ -2619,7 +2619,7 @@
         </p:nvSpPr>
         <p:spPr>
           <a:xfrm>
-            <a:off x="4181366" y="3710127"/>
+            <a:off x="4256527" y="3848812"/>
             <a:ext cx="848873" cy="856538"/>
           </a:xfrm>
           <a:prstGeom prst="rect">
